--- a/OPAR/WORKSPACE/INTREP VIS OPAR-004 - HEZBOLLAH ground combat tactics.pptx
+++ b/OPAR/WORKSPACE/INTREP VIS OPAR-004 - HEZBOLLAH ground combat tactics.pptx
@@ -208,7 +208,7 @@
             <a:fld id="{40637A30-8EE1-4060-9976-8832FC89EE34}" type="datetimeFigureOut">
               <a:rPr lang="nb-NO" smtClean="0"/>
               <a:pPr/>
-              <a:t>07.09.2020</a:t>
+              <a:t>10.09.2020</a:t>
             </a:fld>
             <a:endParaRPr lang="nb-NO"/>
           </a:p>
@@ -379,7 +379,7 @@
     </p:spTree>
     <p:extLst>
       <p:ext uri="{BB962C8B-B14F-4D97-AF65-F5344CB8AC3E}">
-        <p14:creationId xmlns:p14="http://schemas.microsoft.com/office/powerpoint/2010/main" val="2256331300"/>
+        <p14:creationId xmlns:p14="http://schemas.microsoft.com/office/powerpoint/2010/main" xmlns="" val="2256331300"/>
       </p:ext>
     </p:extLst>
   </p:cSld>
@@ -3895,32 +3895,6 @@
           <a:chExt cx="0" cy="0"/>
         </a:xfrm>
       </p:grpSpPr>
-      <p:pic>
-        <p:nvPicPr>
-          <p:cNvPr id="1026" name="Picture 2" descr="https://cdn.discordapp.com/attachments/287519461894782976/627800830069964800/Virtual_Intelligence_Service_Logo.PNG"/>
-          <p:cNvPicPr>
-            <a:picLocks noChangeAspect="1" noChangeArrowheads="1"/>
-          </p:cNvPicPr>
-          <p:nvPr/>
-        </p:nvPicPr>
-        <p:blipFill>
-          <a:blip r:embed="rId3" cstate="print"/>
-          <a:srcRect b="10000"/>
-          <a:stretch>
-            <a:fillRect/>
-          </a:stretch>
-        </p:blipFill>
-        <p:spPr bwMode="auto">
-          <a:xfrm>
-            <a:off x="-9765592" y="344003"/>
-            <a:ext cx="8951266" cy="1822703"/>
-          </a:xfrm>
-          <a:prstGeom prst="rect">
-            <a:avLst/>
-          </a:prstGeom>
-          <a:noFill/>
-        </p:spPr>
-      </p:pic>
       <p:sp>
         <p:nvSpPr>
           <p:cNvPr id="3" name="TekstSylinder 2"/>
@@ -4049,7 +4023,14 @@
                 <a:latin typeface="Arial" pitchFamily="34" charset="0"/>
                 <a:cs typeface="Arial" pitchFamily="34" charset="0"/>
               </a:rPr>
-              <a:t>Published: YYYY-MM-DD</a:t>
+              <a:t>Published: </a:t>
+            </a:r>
+            <a:r>
+              <a:rPr lang="en-US" sz="1400" dirty="0" smtClean="0">
+                <a:latin typeface="Arial" pitchFamily="34" charset="0"/>
+                <a:cs typeface="Arial" pitchFamily="34" charset="0"/>
+              </a:rPr>
+              <a:t>2020-09-10</a:t>
             </a:r>
             <a:endParaRPr lang="en-US" sz="1400" dirty="0">
               <a:latin typeface="Arial" pitchFamily="34" charset="0"/>
@@ -4086,7 +4067,14 @@
                 <a:latin typeface="Arial" pitchFamily="34" charset="0"/>
                 <a:cs typeface="Arial" pitchFamily="34" charset="0"/>
               </a:rPr>
-              <a:t>Version: X.X</a:t>
+              <a:t>Version: </a:t>
+            </a:r>
+            <a:r>
+              <a:rPr lang="en-US" sz="1400" dirty="0" smtClean="0">
+                <a:latin typeface="Arial" pitchFamily="34" charset="0"/>
+                <a:cs typeface="Arial" pitchFamily="34" charset="0"/>
+              </a:rPr>
+              <a:t>1.0</a:t>
             </a:r>
             <a:endParaRPr lang="en-US" sz="1400" dirty="0">
               <a:latin typeface="Arial" pitchFamily="34" charset="0"/>
@@ -4104,7 +4092,7 @@
           <p:nvPr/>
         </p:nvPicPr>
         <p:blipFill>
-          <a:blip r:embed="rId4" cstate="print"/>
+          <a:blip r:embed="rId3" cstate="print"/>
           <a:srcRect/>
           <a:stretch>
             <a:fillRect/>
@@ -4170,46 +4158,6 @@
                 <a:srgbClr val="35261F"/>
               </a:solidFill>
               <a:latin typeface="Constantia" pitchFamily="18" charset="0"/>
-            </a:endParaRPr>
-          </a:p>
-        </p:txBody>
-      </p:sp>
-      <p:sp>
-        <p:nvSpPr>
-          <p:cNvPr id="10" name="TekstSylinder 9"/>
-          <p:cNvSpPr txBox="1"/>
-          <p:nvPr/>
-        </p:nvSpPr>
-        <p:spPr>
-          <a:xfrm rot="18996742">
-            <a:off x="3983967" y="3807371"/>
-            <a:ext cx="2423186" cy="707886"/>
-          </a:xfrm>
-          <a:prstGeom prst="rect">
-            <a:avLst/>
-          </a:prstGeom>
-          <a:noFill/>
-        </p:spPr>
-        <p:txBody>
-          <a:bodyPr wrap="square" rtlCol="0">
-            <a:spAutoFit/>
-          </a:bodyPr>
-          <a:lstStyle/>
-          <a:p>
-            <a:r>
-              <a:rPr lang="en-US" sz="4000" b="1" dirty="0" smtClean="0">
-                <a:solidFill>
-                  <a:srgbClr val="FF0000"/>
-                </a:solidFill>
-                <a:latin typeface="Arial Black" pitchFamily="34" charset="0"/>
-              </a:rPr>
-              <a:t>DRAFT</a:t>
-            </a:r>
-            <a:endParaRPr lang="en-US" sz="4000" b="1" dirty="0">
-              <a:solidFill>
-                <a:srgbClr val="FF0000"/>
-              </a:solidFill>
-              <a:latin typeface="Arial Black" pitchFamily="34" charset="0"/>
             </a:endParaRPr>
           </a:p>
         </p:txBody>
@@ -7102,7 +7050,7 @@
     </p:spTree>
     <p:extLst>
       <p:ext uri="{BB962C8B-B14F-4D97-AF65-F5344CB8AC3E}">
-        <p14:creationId xmlns:p14="http://schemas.microsoft.com/office/powerpoint/2010/main" val="521050479"/>
+        <p14:creationId xmlns:p14="http://schemas.microsoft.com/office/powerpoint/2010/main" xmlns="" val="521050479"/>
       </p:ext>
     </p:extLst>
   </p:cSld>
@@ -8617,11 +8565,7 @@
             </a:pPr>
             <a:r>
               <a:rPr lang="nb-NO" dirty="0" smtClean="0"/>
-              <a:t>Perform quality operation against Israeli forces </a:t>
-            </a:r>
-            <a:r>
-              <a:rPr lang="nb-NO" dirty="0" smtClean="0"/>
-              <a:t>and civilians across the border</a:t>
+              <a:t>Perform quality operation against Israeli forces and civilians across the border</a:t>
             </a:r>
           </a:p>
           <a:p>
@@ -8631,11 +8575,7 @@
             </a:pPr>
             <a:r>
               <a:rPr lang="nb-NO" dirty="0" smtClean="0"/>
-              <a:t>Seizing </a:t>
-            </a:r>
-            <a:r>
-              <a:rPr lang="nb-NO" dirty="0" smtClean="0"/>
-              <a:t>territories inside Israel (to be used for post-conflict negotiations from position of power)</a:t>
+              <a:t>Seizing territories inside Israel (to be used for post-conflict negotiations from position of power)</a:t>
             </a:r>
           </a:p>
           <a:p>
@@ -8679,7 +8619,23 @@
             </a:pPr>
             <a:r>
               <a:rPr lang="nb-NO" dirty="0" smtClean="0"/>
-              <a:t>Infantry platoon: ~40 infantry</a:t>
+              <a:t>Infantry platoon: </a:t>
+            </a:r>
+            <a:r>
+              <a:rPr lang="nb-NO" dirty="0" smtClean="0"/>
+              <a:t> </a:t>
+            </a:r>
+            <a:r>
+              <a:rPr lang="nb-NO" dirty="0" err="1" smtClean="0"/>
+              <a:t>Around</a:t>
+            </a:r>
+            <a:r>
+              <a:rPr lang="nb-NO" dirty="0" smtClean="0"/>
+              <a:t> 40 </a:t>
+            </a:r>
+            <a:r>
+              <a:rPr lang="nb-NO" dirty="0" smtClean="0"/>
+              <a:t>infantry</a:t>
             </a:r>
           </a:p>
           <a:p>
@@ -8689,11 +8645,7 @@
             </a:pPr>
             <a:r>
               <a:rPr lang="nb-NO" dirty="0" smtClean="0"/>
-              <a:t>Mechanized </a:t>
-            </a:r>
-            <a:r>
-              <a:rPr lang="nb-NO" dirty="0" smtClean="0"/>
-              <a:t>platoon: BMP-3 (x4)</a:t>
+              <a:t>Mechanized platoon: BMP-3 (x4)</a:t>
             </a:r>
           </a:p>
           <a:p>
@@ -11089,7 +11041,7 @@
     </p:spTree>
     <p:extLst>
       <p:ext uri="{BB962C8B-B14F-4D97-AF65-F5344CB8AC3E}">
-        <p14:creationId xmlns:p14="http://schemas.microsoft.com/office/powerpoint/2010/main" val="3815253808"/>
+        <p14:creationId xmlns:p14="http://schemas.microsoft.com/office/powerpoint/2010/main" xmlns="" val="3815253808"/>
       </p:ext>
     </p:extLst>
   </p:cSld>
@@ -12660,7 +12612,7 @@
     </p:spTree>
     <p:extLst>
       <p:ext uri="{BB962C8B-B14F-4D97-AF65-F5344CB8AC3E}">
-        <p14:creationId xmlns:p14="http://schemas.microsoft.com/office/powerpoint/2010/main" val="390204938"/>
+        <p14:creationId xmlns:p14="http://schemas.microsoft.com/office/powerpoint/2010/main" xmlns="" val="390204938"/>
       </p:ext>
     </p:extLst>
   </p:cSld>
@@ -13465,7 +13417,7 @@
     </p:spTree>
     <p:extLst>
       <p:ext uri="{BB962C8B-B14F-4D97-AF65-F5344CB8AC3E}">
-        <p14:creationId xmlns:p14="http://schemas.microsoft.com/office/powerpoint/2010/main" val="4063869597"/>
+        <p14:creationId xmlns:p14="http://schemas.microsoft.com/office/powerpoint/2010/main" xmlns="" val="4063869597"/>
       </p:ext>
     </p:extLst>
   </p:cSld>
@@ -14277,7 +14229,7 @@
     </p:spTree>
     <p:extLst>
       <p:ext uri="{BB962C8B-B14F-4D97-AF65-F5344CB8AC3E}">
-        <p14:creationId xmlns:p14="http://schemas.microsoft.com/office/powerpoint/2010/main" val="3349576044"/>
+        <p14:creationId xmlns:p14="http://schemas.microsoft.com/office/powerpoint/2010/main" xmlns="" val="3349576044"/>
       </p:ext>
     </p:extLst>
   </p:cSld>
@@ -16983,7 +16935,7 @@
     </p:spTree>
     <p:extLst>
       <p:ext uri="{BB962C8B-B14F-4D97-AF65-F5344CB8AC3E}">
-        <p14:creationId xmlns:p14="http://schemas.microsoft.com/office/powerpoint/2010/main" val="1177541819"/>
+        <p14:creationId xmlns:p14="http://schemas.microsoft.com/office/powerpoint/2010/main" xmlns="" val="1177541819"/>
       </p:ext>
     </p:extLst>
   </p:cSld>
@@ -17231,10 +17183,10 @@
           <p:nvPr/>
         </p:nvPicPr>
         <p:blipFill>
-          <a:blip r:embed="rId2">
+          <a:blip r:embed="rId2" cstate="print">
             <a:extLst>
               <a:ext uri="{28A0092B-C50C-407E-A947-70E740481C1C}">
-                <a14:useLocalDpi xmlns:a14="http://schemas.microsoft.com/office/drawing/2010/main" val="0"/>
+                <a14:useLocalDpi xmlns:a14="http://schemas.microsoft.com/office/drawing/2010/main" xmlns="" val="0"/>
               </a:ext>
             </a:extLst>
           </a:blip>
@@ -17258,14 +17210,14 @@
           <a:effectLst/>
           <a:extLst>
             <a:ext uri="{909E8E84-426E-40DD-AFC4-6F175D3DCCD1}">
-              <a14:hiddenFill xmlns:a14="http://schemas.microsoft.com/office/drawing/2010/main">
+              <a14:hiddenFill xmlns:a14="http://schemas.microsoft.com/office/drawing/2010/main" xmlns="">
                 <a:solidFill>
                   <a:schemeClr val="accent1"/>
                 </a:solidFill>
               </a14:hiddenFill>
             </a:ext>
             <a:ext uri="{91240B29-F687-4F45-9708-019B960494DF}">
-              <a14:hiddenLine xmlns:a14="http://schemas.microsoft.com/office/drawing/2010/main" w="9525">
+              <a14:hiddenLine xmlns:a14="http://schemas.microsoft.com/office/drawing/2010/main" xmlns="" w="9525">
                 <a:solidFill>
                   <a:schemeClr val="tx1"/>
                 </a:solidFill>
@@ -17275,7 +17227,7 @@
               </a14:hiddenLine>
             </a:ext>
             <a:ext uri="{AF507438-7753-43E0-B8FC-AC1667EBCBE1}">
-              <a14:hiddenEffects xmlns:a14="http://schemas.microsoft.com/office/drawing/2010/main">
+              <a14:hiddenEffects xmlns:a14="http://schemas.microsoft.com/office/drawing/2010/main" xmlns="">
                 <a:effectLst>
                   <a:outerShdw dist="35921" dir="2700000" algn="ctr" rotWithShape="0">
                     <a:schemeClr val="bg2"/>
@@ -17289,7 +17241,7 @@
     </p:spTree>
     <p:extLst>
       <p:ext uri="{BB962C8B-B14F-4D97-AF65-F5344CB8AC3E}">
-        <p14:creationId xmlns:p14="http://schemas.microsoft.com/office/powerpoint/2010/main" val="442266528"/>
+        <p14:creationId xmlns:p14="http://schemas.microsoft.com/office/powerpoint/2010/main" xmlns="" val="442266528"/>
       </p:ext>
     </p:extLst>
   </p:cSld>
@@ -22227,7 +22179,7 @@
     </p:spTree>
     <p:extLst>
       <p:ext uri="{BB962C8B-B14F-4D97-AF65-F5344CB8AC3E}">
-        <p14:creationId xmlns:p14="http://schemas.microsoft.com/office/powerpoint/2010/main" val="3470511508"/>
+        <p14:creationId xmlns:p14="http://schemas.microsoft.com/office/powerpoint/2010/main" xmlns="" val="3470511508"/>
       </p:ext>
     </p:extLst>
   </p:cSld>
@@ -24455,7 +24407,7 @@
     </p:spTree>
     <p:extLst>
       <p:ext uri="{BB962C8B-B14F-4D97-AF65-F5344CB8AC3E}">
-        <p14:creationId xmlns:p14="http://schemas.microsoft.com/office/powerpoint/2010/main" val="3222127674"/>
+        <p14:creationId xmlns:p14="http://schemas.microsoft.com/office/powerpoint/2010/main" xmlns="" val="3222127674"/>
       </p:ext>
     </p:extLst>
   </p:cSld>
@@ -25978,7 +25930,6 @@
               <a:rPr lang="nb-NO" dirty="0" smtClean="0"/>
               <a:t>Serve as a supporting force for RADUAN companies in major border-crossing operations.</a:t>
             </a:r>
-            <a:endParaRPr lang="nb-NO" dirty="0" smtClean="0"/>
           </a:p>
           <a:p>
             <a:pPr marL="285750" indent="-285750">
@@ -25999,8 +25950,16 @@
               <a:buChar char="•"/>
             </a:pPr>
             <a:r>
+              <a:rPr lang="nb-NO" dirty="0" err="1" smtClean="0"/>
+              <a:t>Around</a:t>
+            </a:r>
+            <a:r>
               <a:rPr lang="nb-NO" dirty="0" smtClean="0"/>
-              <a:t>~300 infantry</a:t>
+              <a:t> 300 </a:t>
+            </a:r>
+            <a:r>
+              <a:rPr lang="nb-NO" dirty="0" smtClean="0"/>
+              <a:t>infantry</a:t>
             </a:r>
           </a:p>
           <a:p>
@@ -26010,7 +25969,35 @@
             </a:pPr>
             <a:r>
               <a:rPr lang="nb-NO" dirty="0" smtClean="0"/>
-              <a:t>Transports by means of civ-looking trucks</a:t>
+              <a:t>Transports by means </a:t>
+            </a:r>
+            <a:r>
+              <a:rPr lang="nb-NO" dirty="0" err="1" smtClean="0"/>
+              <a:t>of</a:t>
+            </a:r>
+            <a:r>
+              <a:rPr lang="nb-NO" dirty="0" smtClean="0"/>
+              <a:t> </a:t>
+            </a:r>
+            <a:r>
+              <a:rPr lang="nb-NO" dirty="0" err="1" smtClean="0"/>
+              <a:t>civilian</a:t>
+            </a:r>
+            <a:r>
+              <a:rPr lang="nb-NO" dirty="0" smtClean="0"/>
+              <a:t> and </a:t>
+            </a:r>
+            <a:r>
+              <a:rPr lang="nb-NO" dirty="0" err="1" smtClean="0"/>
+              <a:t>civilian-looking</a:t>
+            </a:r>
+            <a:r>
+              <a:rPr lang="nb-NO" dirty="0" smtClean="0"/>
+              <a:t> </a:t>
+            </a:r>
+            <a:r>
+              <a:rPr lang="nb-NO" dirty="0" smtClean="0"/>
+              <a:t>trucks</a:t>
             </a:r>
           </a:p>
           <a:p>
@@ -27291,7 +27278,7 @@
     </p:spTree>
     <p:extLst>
       <p:ext uri="{BB962C8B-B14F-4D97-AF65-F5344CB8AC3E}">
-        <p14:creationId xmlns:p14="http://schemas.microsoft.com/office/powerpoint/2010/main" val="1924166642"/>
+        <p14:creationId xmlns:p14="http://schemas.microsoft.com/office/powerpoint/2010/main" xmlns="" val="1924166642"/>
       </p:ext>
     </p:extLst>
   </p:cSld>
@@ -30180,7 +30167,7 @@
     </p:spTree>
     <p:extLst>
       <p:ext uri="{BB962C8B-B14F-4D97-AF65-F5344CB8AC3E}">
-        <p14:creationId xmlns:p14="http://schemas.microsoft.com/office/powerpoint/2010/main" val="921553187"/>
+        <p14:creationId xmlns:p14="http://schemas.microsoft.com/office/powerpoint/2010/main" xmlns="" val="921553187"/>
       </p:ext>
     </p:extLst>
   </p:cSld>
@@ -31726,11 +31713,7 @@
             </a:pPr>
             <a:r>
               <a:rPr lang="nb-NO" dirty="0"/>
-              <a:t>C-802 </a:t>
-            </a:r>
-            <a:r>
-              <a:rPr lang="nb-NO" dirty="0"/>
-              <a:t>launchers (x2)</a:t>
+              <a:t>C-802 launchers (x2)</a:t>
             </a:r>
           </a:p>
           <a:p>
@@ -33036,7 +33019,7 @@
     </p:spTree>
     <p:extLst>
       <p:ext uri="{BB962C8B-B14F-4D97-AF65-F5344CB8AC3E}">
-        <p14:creationId xmlns:p14="http://schemas.microsoft.com/office/powerpoint/2010/main" val="3114819645"/>
+        <p14:creationId xmlns:p14="http://schemas.microsoft.com/office/powerpoint/2010/main" xmlns="" val="3114819645"/>
       </p:ext>
     </p:extLst>
   </p:cSld>

--- a/OPAR/WORKSPACE/INTREP VIS OPAR-004 - HEZBOLLAH ground combat tactics.pptx
+++ b/OPAR/WORKSPACE/INTREP VIS OPAR-004 - HEZBOLLAH ground combat tactics.pptx
@@ -379,7 +379,7 @@
     </p:spTree>
     <p:extLst>
       <p:ext uri="{BB962C8B-B14F-4D97-AF65-F5344CB8AC3E}">
-        <p14:creationId xmlns:p14="http://schemas.microsoft.com/office/powerpoint/2010/main" xmlns="" val="2256331300"/>
+        <p14:creationId xmlns="" xmlns:p14="http://schemas.microsoft.com/office/powerpoint/2010/main" val="2256331300"/>
       </p:ext>
     </p:extLst>
   </p:cSld>
@@ -4023,58 +4023,44 @@
                 <a:latin typeface="Arial" pitchFamily="34" charset="0"/>
                 <a:cs typeface="Arial" pitchFamily="34" charset="0"/>
               </a:rPr>
-              <a:t>Published: </a:t>
-            </a:r>
+              <a:t>Published: 2020-09-10</a:t>
+            </a:r>
+            <a:endParaRPr lang="en-US" sz="1400" dirty="0">
+              <a:latin typeface="Arial" pitchFamily="34" charset="0"/>
+              <a:cs typeface="Arial" pitchFamily="34" charset="0"/>
+            </a:endParaRPr>
+          </a:p>
+        </p:txBody>
+      </p:sp>
+      <p:sp>
+        <p:nvSpPr>
+          <p:cNvPr id="9" name="TekstSylinder 8"/>
+          <p:cNvSpPr txBox="1"/>
+          <p:nvPr/>
+        </p:nvSpPr>
+        <p:spPr>
+          <a:xfrm>
+            <a:off x="1371644" y="4585046"/>
+            <a:ext cx="6784754" cy="307777"/>
+          </a:xfrm>
+          <a:prstGeom prst="rect">
+            <a:avLst/>
+          </a:prstGeom>
+          <a:noFill/>
+        </p:spPr>
+        <p:txBody>
+          <a:bodyPr wrap="square" rtlCol="0">
+            <a:spAutoFit/>
+          </a:bodyPr>
+          <a:lstStyle/>
+          <a:p>
+            <a:pPr algn="ctr"/>
             <a:r>
               <a:rPr lang="en-US" sz="1400" dirty="0" smtClean="0">
                 <a:latin typeface="Arial" pitchFamily="34" charset="0"/>
                 <a:cs typeface="Arial" pitchFamily="34" charset="0"/>
               </a:rPr>
-              <a:t>2020-09-10</a:t>
-            </a:r>
-            <a:endParaRPr lang="en-US" sz="1400" dirty="0">
-              <a:latin typeface="Arial" pitchFamily="34" charset="0"/>
-              <a:cs typeface="Arial" pitchFamily="34" charset="0"/>
-            </a:endParaRPr>
-          </a:p>
-        </p:txBody>
-      </p:sp>
-      <p:sp>
-        <p:nvSpPr>
-          <p:cNvPr id="9" name="TekstSylinder 8"/>
-          <p:cNvSpPr txBox="1"/>
-          <p:nvPr/>
-        </p:nvSpPr>
-        <p:spPr>
-          <a:xfrm>
-            <a:off x="1371644" y="4585046"/>
-            <a:ext cx="6784754" cy="307777"/>
-          </a:xfrm>
-          <a:prstGeom prst="rect">
-            <a:avLst/>
-          </a:prstGeom>
-          <a:noFill/>
-        </p:spPr>
-        <p:txBody>
-          <a:bodyPr wrap="square" rtlCol="0">
-            <a:spAutoFit/>
-          </a:bodyPr>
-          <a:lstStyle/>
-          <a:p>
-            <a:pPr algn="ctr"/>
-            <a:r>
-              <a:rPr lang="en-US" sz="1400" dirty="0" smtClean="0">
-                <a:latin typeface="Arial" pitchFamily="34" charset="0"/>
-                <a:cs typeface="Arial" pitchFamily="34" charset="0"/>
-              </a:rPr>
-              <a:t>Version: </a:t>
-            </a:r>
-            <a:r>
-              <a:rPr lang="en-US" sz="1400" dirty="0" smtClean="0">
-                <a:latin typeface="Arial" pitchFamily="34" charset="0"/>
-                <a:cs typeface="Arial" pitchFamily="34" charset="0"/>
-              </a:rPr>
-              <a:t>1.0</a:t>
+              <a:t>Version: 1.0</a:t>
             </a:r>
             <a:endParaRPr lang="en-US" sz="1400" dirty="0">
               <a:latin typeface="Arial" pitchFamily="34" charset="0"/>
@@ -7050,7 +7036,7 @@
     </p:spTree>
     <p:extLst>
       <p:ext uri="{BB962C8B-B14F-4D97-AF65-F5344CB8AC3E}">
-        <p14:creationId xmlns:p14="http://schemas.microsoft.com/office/powerpoint/2010/main" xmlns="" val="521050479"/>
+        <p14:creationId xmlns="" xmlns:p14="http://schemas.microsoft.com/office/powerpoint/2010/main" val="521050479"/>
       </p:ext>
     </p:extLst>
   </p:cSld>
@@ -8619,11 +8605,7 @@
             </a:pPr>
             <a:r>
               <a:rPr lang="nb-NO" dirty="0" smtClean="0"/>
-              <a:t>Infantry platoon: </a:t>
-            </a:r>
-            <a:r>
-              <a:rPr lang="nb-NO" dirty="0" smtClean="0"/>
-              <a:t> </a:t>
+              <a:t>Infantry platoon:  </a:t>
             </a:r>
             <a:r>
               <a:rPr lang="nb-NO" dirty="0" err="1" smtClean="0"/>
@@ -8631,11 +8613,7 @@
             </a:r>
             <a:r>
               <a:rPr lang="nb-NO" dirty="0" smtClean="0"/>
-              <a:t> 40 </a:t>
-            </a:r>
-            <a:r>
-              <a:rPr lang="nb-NO" dirty="0" smtClean="0"/>
-              <a:t>infantry</a:t>
+              <a:t> 40 infantry</a:t>
             </a:r>
           </a:p>
           <a:p>
@@ -11041,7 +11019,7 @@
     </p:spTree>
     <p:extLst>
       <p:ext uri="{BB962C8B-B14F-4D97-AF65-F5344CB8AC3E}">
-        <p14:creationId xmlns:p14="http://schemas.microsoft.com/office/powerpoint/2010/main" xmlns="" val="3815253808"/>
+        <p14:creationId xmlns="" xmlns:p14="http://schemas.microsoft.com/office/powerpoint/2010/main" val="3815253808"/>
       </p:ext>
     </p:extLst>
   </p:cSld>
@@ -12612,7 +12590,7 @@
     </p:spTree>
     <p:extLst>
       <p:ext uri="{BB962C8B-B14F-4D97-AF65-F5344CB8AC3E}">
-        <p14:creationId xmlns:p14="http://schemas.microsoft.com/office/powerpoint/2010/main" xmlns="" val="390204938"/>
+        <p14:creationId xmlns="" xmlns:p14="http://schemas.microsoft.com/office/powerpoint/2010/main" val="390204938"/>
       </p:ext>
     </p:extLst>
   </p:cSld>
@@ -13417,7 +13395,7 @@
     </p:spTree>
     <p:extLst>
       <p:ext uri="{BB962C8B-B14F-4D97-AF65-F5344CB8AC3E}">
-        <p14:creationId xmlns:p14="http://schemas.microsoft.com/office/powerpoint/2010/main" xmlns="" val="4063869597"/>
+        <p14:creationId xmlns="" xmlns:p14="http://schemas.microsoft.com/office/powerpoint/2010/main" val="4063869597"/>
       </p:ext>
     </p:extLst>
   </p:cSld>
@@ -14229,7 +14207,7 @@
     </p:spTree>
     <p:extLst>
       <p:ext uri="{BB962C8B-B14F-4D97-AF65-F5344CB8AC3E}">
-        <p14:creationId xmlns:p14="http://schemas.microsoft.com/office/powerpoint/2010/main" xmlns="" val="3349576044"/>
+        <p14:creationId xmlns="" xmlns:p14="http://schemas.microsoft.com/office/powerpoint/2010/main" val="3349576044"/>
       </p:ext>
     </p:extLst>
   </p:cSld>
@@ -16935,7 +16913,7 @@
     </p:spTree>
     <p:extLst>
       <p:ext uri="{BB962C8B-B14F-4D97-AF65-F5344CB8AC3E}">
-        <p14:creationId xmlns:p14="http://schemas.microsoft.com/office/powerpoint/2010/main" xmlns="" val="1177541819"/>
+        <p14:creationId xmlns="" xmlns:p14="http://schemas.microsoft.com/office/powerpoint/2010/main" val="1177541819"/>
       </p:ext>
     </p:extLst>
   </p:cSld>
@@ -17186,7 +17164,7 @@
           <a:blip r:embed="rId2" cstate="print">
             <a:extLst>
               <a:ext uri="{28A0092B-C50C-407E-A947-70E740481C1C}">
-                <a14:useLocalDpi xmlns:a14="http://schemas.microsoft.com/office/drawing/2010/main" xmlns="" val="0"/>
+                <a14:useLocalDpi xmlns="" xmlns:a14="http://schemas.microsoft.com/office/drawing/2010/main" val="0"/>
               </a:ext>
             </a:extLst>
           </a:blip>
@@ -17210,14 +17188,14 @@
           <a:effectLst/>
           <a:extLst>
             <a:ext uri="{909E8E84-426E-40DD-AFC4-6F175D3DCCD1}">
-              <a14:hiddenFill xmlns:a14="http://schemas.microsoft.com/office/drawing/2010/main" xmlns="">
+              <a14:hiddenFill xmlns="" xmlns:a14="http://schemas.microsoft.com/office/drawing/2010/main">
                 <a:solidFill>
                   <a:schemeClr val="accent1"/>
                 </a:solidFill>
               </a14:hiddenFill>
             </a:ext>
             <a:ext uri="{91240B29-F687-4F45-9708-019B960494DF}">
-              <a14:hiddenLine xmlns:a14="http://schemas.microsoft.com/office/drawing/2010/main" xmlns="" w="9525">
+              <a14:hiddenLine xmlns="" xmlns:a14="http://schemas.microsoft.com/office/drawing/2010/main" w="9525">
                 <a:solidFill>
                   <a:schemeClr val="tx1"/>
                 </a:solidFill>
@@ -17227,7 +17205,7 @@
               </a14:hiddenLine>
             </a:ext>
             <a:ext uri="{AF507438-7753-43E0-B8FC-AC1667EBCBE1}">
-              <a14:hiddenEffects xmlns:a14="http://schemas.microsoft.com/office/drawing/2010/main" xmlns="">
+              <a14:hiddenEffects xmlns="" xmlns:a14="http://schemas.microsoft.com/office/drawing/2010/main">
                 <a:effectLst>
                   <a:outerShdw dist="35921" dir="2700000" algn="ctr" rotWithShape="0">
                     <a:schemeClr val="bg2"/>
@@ -17241,7 +17219,7 @@
     </p:spTree>
     <p:extLst>
       <p:ext uri="{BB962C8B-B14F-4D97-AF65-F5344CB8AC3E}">
-        <p14:creationId xmlns:p14="http://schemas.microsoft.com/office/powerpoint/2010/main" xmlns="" val="442266528"/>
+        <p14:creationId xmlns="" xmlns:p14="http://schemas.microsoft.com/office/powerpoint/2010/main" val="442266528"/>
       </p:ext>
     </p:extLst>
   </p:cSld>
@@ -22179,7 +22157,7 @@
     </p:spTree>
     <p:extLst>
       <p:ext uri="{BB962C8B-B14F-4D97-AF65-F5344CB8AC3E}">
-        <p14:creationId xmlns:p14="http://schemas.microsoft.com/office/powerpoint/2010/main" xmlns="" val="3470511508"/>
+        <p14:creationId xmlns="" xmlns:p14="http://schemas.microsoft.com/office/powerpoint/2010/main" val="3470511508"/>
       </p:ext>
     </p:extLst>
   </p:cSld>
@@ -24407,7 +24385,7 @@
     </p:spTree>
     <p:extLst>
       <p:ext uri="{BB962C8B-B14F-4D97-AF65-F5344CB8AC3E}">
-        <p14:creationId xmlns:p14="http://schemas.microsoft.com/office/powerpoint/2010/main" xmlns="" val="3222127674"/>
+        <p14:creationId xmlns="" xmlns:p14="http://schemas.microsoft.com/office/powerpoint/2010/main" val="3222127674"/>
       </p:ext>
     </p:extLst>
   </p:cSld>
@@ -25955,11 +25933,7 @@
             </a:r>
             <a:r>
               <a:rPr lang="nb-NO" dirty="0" smtClean="0"/>
-              <a:t> 300 </a:t>
-            </a:r>
-            <a:r>
-              <a:rPr lang="nb-NO" dirty="0" smtClean="0"/>
-              <a:t>infantry</a:t>
+              <a:t> 300 infantry</a:t>
             </a:r>
           </a:p>
           <a:p>
@@ -25993,11 +25967,7 @@
             </a:r>
             <a:r>
               <a:rPr lang="nb-NO" dirty="0" smtClean="0"/>
-              <a:t> </a:t>
-            </a:r>
-            <a:r>
-              <a:rPr lang="nb-NO" dirty="0" smtClean="0"/>
-              <a:t>trucks</a:t>
+              <a:t> trucks</a:t>
             </a:r>
           </a:p>
           <a:p>
@@ -27278,7 +27248,7 @@
     </p:spTree>
     <p:extLst>
       <p:ext uri="{BB962C8B-B14F-4D97-AF65-F5344CB8AC3E}">
-        <p14:creationId xmlns:p14="http://schemas.microsoft.com/office/powerpoint/2010/main" xmlns="" val="1924166642"/>
+        <p14:creationId xmlns="" xmlns:p14="http://schemas.microsoft.com/office/powerpoint/2010/main" val="1924166642"/>
       </p:ext>
     </p:extLst>
   </p:cSld>
@@ -30167,7 +30137,7 @@
     </p:spTree>
     <p:extLst>
       <p:ext uri="{BB962C8B-B14F-4D97-AF65-F5344CB8AC3E}">
-        <p14:creationId xmlns:p14="http://schemas.microsoft.com/office/powerpoint/2010/main" xmlns="" val="921553187"/>
+        <p14:creationId xmlns="" xmlns:p14="http://schemas.microsoft.com/office/powerpoint/2010/main" val="921553187"/>
       </p:ext>
     </p:extLst>
   </p:cSld>
@@ -33019,7 +32989,7 @@
     </p:spTree>
     <p:extLst>
       <p:ext uri="{BB962C8B-B14F-4D97-AF65-F5344CB8AC3E}">
-        <p14:creationId xmlns:p14="http://schemas.microsoft.com/office/powerpoint/2010/main" xmlns="" val="3114819645"/>
+        <p14:creationId xmlns="" xmlns:p14="http://schemas.microsoft.com/office/powerpoint/2010/main" val="3114819645"/>
       </p:ext>
     </p:extLst>
   </p:cSld>
